--- a/구성.pptx
+++ b/구성.pptx
@@ -293,7 +293,7 @@
           <a:p>
             <a:fld id="{14614065-6529-48F6-B52D-83BEFFF32FFF}" type="datetimeFigureOut">
               <a:rPr lang="ko-KR" altLang="en-US" smtClean="0"/>
-              <a:t>2021-01-04</a:t>
+              <a:t>2021-01-06</a:t>
             </a:fld>
             <a:endParaRPr lang="ko-KR" altLang="en-US"/>
           </a:p>
@@ -463,7 +463,7 @@
           <a:p>
             <a:fld id="{14614065-6529-48F6-B52D-83BEFFF32FFF}" type="datetimeFigureOut">
               <a:rPr lang="ko-KR" altLang="en-US" smtClean="0"/>
-              <a:t>2021-01-04</a:t>
+              <a:t>2021-01-06</a:t>
             </a:fld>
             <a:endParaRPr lang="ko-KR" altLang="en-US"/>
           </a:p>
@@ -643,7 +643,7 @@
           <a:p>
             <a:fld id="{14614065-6529-48F6-B52D-83BEFFF32FFF}" type="datetimeFigureOut">
               <a:rPr lang="ko-KR" altLang="en-US" smtClean="0"/>
-              <a:t>2021-01-04</a:t>
+              <a:t>2021-01-06</a:t>
             </a:fld>
             <a:endParaRPr lang="ko-KR" altLang="en-US"/>
           </a:p>
@@ -813,7 +813,7 @@
           <a:p>
             <a:fld id="{14614065-6529-48F6-B52D-83BEFFF32FFF}" type="datetimeFigureOut">
               <a:rPr lang="ko-KR" altLang="en-US" smtClean="0"/>
-              <a:t>2021-01-04</a:t>
+              <a:t>2021-01-06</a:t>
             </a:fld>
             <a:endParaRPr lang="ko-KR" altLang="en-US"/>
           </a:p>
@@ -1059,7 +1059,7 @@
           <a:p>
             <a:fld id="{14614065-6529-48F6-B52D-83BEFFF32FFF}" type="datetimeFigureOut">
               <a:rPr lang="ko-KR" altLang="en-US" smtClean="0"/>
-              <a:t>2021-01-04</a:t>
+              <a:t>2021-01-06</a:t>
             </a:fld>
             <a:endParaRPr lang="ko-KR" altLang="en-US"/>
           </a:p>
@@ -1347,7 +1347,7 @@
           <a:p>
             <a:fld id="{14614065-6529-48F6-B52D-83BEFFF32FFF}" type="datetimeFigureOut">
               <a:rPr lang="ko-KR" altLang="en-US" smtClean="0"/>
-              <a:t>2021-01-04</a:t>
+              <a:t>2021-01-06</a:t>
             </a:fld>
             <a:endParaRPr lang="ko-KR" altLang="en-US"/>
           </a:p>
@@ -1774,7 +1774,7 @@
           <a:p>
             <a:fld id="{14614065-6529-48F6-B52D-83BEFFF32FFF}" type="datetimeFigureOut">
               <a:rPr lang="ko-KR" altLang="en-US" smtClean="0"/>
-              <a:t>2021-01-04</a:t>
+              <a:t>2021-01-06</a:t>
             </a:fld>
             <a:endParaRPr lang="ko-KR" altLang="en-US"/>
           </a:p>
@@ -1892,7 +1892,7 @@
           <a:p>
             <a:fld id="{14614065-6529-48F6-B52D-83BEFFF32FFF}" type="datetimeFigureOut">
               <a:rPr lang="ko-KR" altLang="en-US" smtClean="0"/>
-              <a:t>2021-01-04</a:t>
+              <a:t>2021-01-06</a:t>
             </a:fld>
             <a:endParaRPr lang="ko-KR" altLang="en-US"/>
           </a:p>
@@ -1987,7 +1987,7 @@
           <a:p>
             <a:fld id="{14614065-6529-48F6-B52D-83BEFFF32FFF}" type="datetimeFigureOut">
               <a:rPr lang="ko-KR" altLang="en-US" smtClean="0"/>
-              <a:t>2021-01-04</a:t>
+              <a:t>2021-01-06</a:t>
             </a:fld>
             <a:endParaRPr lang="ko-KR" altLang="en-US"/>
           </a:p>
@@ -2264,7 +2264,7 @@
           <a:p>
             <a:fld id="{14614065-6529-48F6-B52D-83BEFFF32FFF}" type="datetimeFigureOut">
               <a:rPr lang="ko-KR" altLang="en-US" smtClean="0"/>
-              <a:t>2021-01-04</a:t>
+              <a:t>2021-01-06</a:t>
             </a:fld>
             <a:endParaRPr lang="ko-KR" altLang="en-US"/>
           </a:p>
@@ -2517,7 +2517,7 @@
           <a:p>
             <a:fld id="{14614065-6529-48F6-B52D-83BEFFF32FFF}" type="datetimeFigureOut">
               <a:rPr lang="ko-KR" altLang="en-US" smtClean="0"/>
-              <a:t>2021-01-04</a:t>
+              <a:t>2021-01-06</a:t>
             </a:fld>
             <a:endParaRPr lang="ko-KR" altLang="en-US"/>
           </a:p>
@@ -2730,7 +2730,7 @@
           <a:p>
             <a:fld id="{14614065-6529-48F6-B52D-83BEFFF32FFF}" type="datetimeFigureOut">
               <a:rPr lang="ko-KR" altLang="en-US" smtClean="0"/>
-              <a:t>2021-01-04</a:t>
+              <a:t>2021-01-06</a:t>
             </a:fld>
             <a:endParaRPr lang="ko-KR" altLang="en-US"/>
           </a:p>
@@ -6432,11 +6432,7 @@
           <a:p>
             <a:r>
               <a:rPr lang="en-US" altLang="ko-KR" dirty="0" smtClean="0"/>
-              <a:t>4</a:t>
-            </a:r>
-            <a:r>
-              <a:rPr lang="en-US" altLang="ko-KR" dirty="0" smtClean="0"/>
-              <a:t>)</a:t>
+              <a:t>4)</a:t>
             </a:r>
             <a:r>
               <a:rPr lang="ko-KR" altLang="en-US" dirty="0" err="1" smtClean="0"/>
